--- a/starter-template.pptx
+++ b/starter-template.pptx
@@ -29980,7 +29980,7 @@
               <a:buAutoNum type="arabicPeriod"/>
             </a:pPr>
             <a:r>
-              <a:rPr lang="en" sz="1600">
+              <a:rPr lang="en" sz="1600" dirty="0">
                 <a:solidFill>
                   <a:srgbClr val="525C65"/>
                 </a:solidFill>
@@ -29992,9 +29992,69 @@
                 <a:cs typeface="Open Sans"/>
                 <a:sym typeface="Open Sans"/>
               </a:rPr>
-              <a:t>Create a Business Glossary for SneakerPark and define common terms such as Item, Buyer, etc. Think and discuss how SneakerPark can improve on the consistency of the terms that its systems currently use. (You can use the “Business Glossary” tab of the same Sheets template you’ve been using for the other parts of this project to get you started.)</a:t>
+              <a:t>Create a Business Glossary for </a:t>
             </a:r>
-            <a:endParaRPr sz="1600">
+            <a:r>
+              <a:rPr lang="en" sz="1600" dirty="0" err="1">
+                <a:solidFill>
+                  <a:srgbClr val="525C65"/>
+                </a:solidFill>
+                <a:highlight>
+                  <a:srgbClr val="FFFFFF"/>
+                </a:highlight>
+                <a:latin typeface="Open Sans"/>
+                <a:ea typeface="Open Sans"/>
+                <a:cs typeface="Open Sans"/>
+                <a:sym typeface="Open Sans"/>
+              </a:rPr>
+              <a:t>SneakerPark</a:t>
+            </a:r>
+            <a:r>
+              <a:rPr lang="en" sz="1600" dirty="0">
+                <a:solidFill>
+                  <a:srgbClr val="525C65"/>
+                </a:solidFill>
+                <a:highlight>
+                  <a:srgbClr val="FFFFFF"/>
+                </a:highlight>
+                <a:latin typeface="Open Sans"/>
+                <a:ea typeface="Open Sans"/>
+                <a:cs typeface="Open Sans"/>
+                <a:sym typeface="Open Sans"/>
+              </a:rPr>
+              <a:t> and define common terms such as Item, Buyer, etc. Think and discuss how </a:t>
+            </a:r>
+            <a:r>
+              <a:rPr lang="en" sz="1600" dirty="0" err="1">
+                <a:solidFill>
+                  <a:srgbClr val="525C65"/>
+                </a:solidFill>
+                <a:highlight>
+                  <a:srgbClr val="FFFFFF"/>
+                </a:highlight>
+                <a:latin typeface="Open Sans"/>
+                <a:ea typeface="Open Sans"/>
+                <a:cs typeface="Open Sans"/>
+                <a:sym typeface="Open Sans"/>
+              </a:rPr>
+              <a:t>SneakerPark</a:t>
+            </a:r>
+            <a:r>
+              <a:rPr lang="en" sz="1600" dirty="0">
+                <a:solidFill>
+                  <a:srgbClr val="525C65"/>
+                </a:solidFill>
+                <a:highlight>
+                  <a:srgbClr val="FFFFFF"/>
+                </a:highlight>
+                <a:latin typeface="Open Sans"/>
+                <a:ea typeface="Open Sans"/>
+                <a:cs typeface="Open Sans"/>
+                <a:sym typeface="Open Sans"/>
+              </a:rPr>
+              <a:t> can improve on the consistency of the terms that its systems currently use. (You can use the “Business Glossary” tab of the same Sheets template you’ve been using for the other parts of this project to get you started.)</a:t>
+            </a:r>
+            <a:endParaRPr sz="1600" dirty="0">
               <a:solidFill>
                 <a:srgbClr val="525C65"/>
               </a:solidFill>
@@ -30020,7 +30080,7 @@
               </a:spcAft>
               <a:buNone/>
             </a:pPr>
-            <a:endParaRPr sz="1600">
+            <a:endParaRPr sz="1600" dirty="0">
               <a:solidFill>
                 <a:srgbClr val="525C65"/>
               </a:solidFill>
@@ -30052,7 +30112,7 @@
               <a:buAutoNum type="arabicPeriod"/>
             </a:pPr>
             <a:r>
-              <a:rPr lang="en" sz="1600">
+              <a:rPr lang="en" sz="1600" dirty="0">
                 <a:solidFill>
                   <a:srgbClr val="525C65"/>
                 </a:solidFill>
@@ -30064,9 +30124,39 @@
                 <a:cs typeface="Open Sans"/>
                 <a:sym typeface="Open Sans"/>
               </a:rPr>
-              <a:t>Document SneakerPark’s current naming conventions. Can you think of any improvements?  (You can use the “Standard Naming Conventions” tab of the same Sheets template you’ve been using for the other parts of this project to get you started.) Some examples of Naming Conventions include;</a:t>
+              <a:t>Document </a:t>
             </a:r>
-            <a:endParaRPr sz="1600">
+            <a:r>
+              <a:rPr lang="en" sz="1600" dirty="0" err="1">
+                <a:solidFill>
+                  <a:srgbClr val="525C65"/>
+                </a:solidFill>
+                <a:highlight>
+                  <a:srgbClr val="FFFFFF"/>
+                </a:highlight>
+                <a:latin typeface="Open Sans"/>
+                <a:ea typeface="Open Sans"/>
+                <a:cs typeface="Open Sans"/>
+                <a:sym typeface="Open Sans"/>
+              </a:rPr>
+              <a:t>SneakerPark’s</a:t>
+            </a:r>
+            <a:r>
+              <a:rPr lang="en" sz="1600" dirty="0">
+                <a:solidFill>
+                  <a:srgbClr val="525C65"/>
+                </a:solidFill>
+                <a:highlight>
+                  <a:srgbClr val="FFFFFF"/>
+                </a:highlight>
+                <a:latin typeface="Open Sans"/>
+                <a:ea typeface="Open Sans"/>
+                <a:cs typeface="Open Sans"/>
+                <a:sym typeface="Open Sans"/>
+              </a:rPr>
+              <a:t> current naming conventions. Can you think of any improvements?  (You can use the “Standard Naming Conventions” tab of the same Sheets template you’ve been using for the other parts of this project to get you started.) Some examples of Naming Conventions include;</a:t>
+            </a:r>
+            <a:endParaRPr sz="1600" dirty="0">
               <a:solidFill>
                 <a:srgbClr val="525C65"/>
               </a:solidFill>
@@ -30092,7 +30182,7 @@
               </a:spcAft>
               <a:buNone/>
             </a:pPr>
-            <a:endParaRPr sz="1600">
+            <a:endParaRPr sz="1600" dirty="0">
               <a:solidFill>
                 <a:srgbClr val="525C65"/>
               </a:solidFill>
@@ -30124,7 +30214,7 @@
               <a:buChar char="●"/>
             </a:pPr>
             <a:r>
-              <a:rPr lang="en" sz="1600">
+              <a:rPr lang="en" sz="1600" dirty="0">
                 <a:solidFill>
                   <a:srgbClr val="525C65"/>
                 </a:solidFill>
@@ -30138,7 +30228,7 @@
               </a:rPr>
               <a:t>Do not use spaces or special characters.</a:t>
             </a:r>
-            <a:endParaRPr sz="1600">
+            <a:endParaRPr sz="1600" dirty="0">
               <a:solidFill>
                 <a:srgbClr val="525C65"/>
               </a:solidFill>
@@ -30170,7 +30260,7 @@
               <a:buChar char="●"/>
             </a:pPr>
             <a:r>
-              <a:rPr lang="en" sz="1600">
+              <a:rPr lang="en" sz="1600" dirty="0">
                 <a:solidFill>
                   <a:srgbClr val="525C65"/>
                 </a:solidFill>
@@ -30184,7 +30274,7 @@
               </a:rPr>
               <a:t>Use only LOWERCASE.</a:t>
             </a:r>
-            <a:endParaRPr sz="1600">
+            <a:endParaRPr sz="1600" dirty="0">
               <a:solidFill>
                 <a:srgbClr val="525C65"/>
               </a:solidFill>
@@ -30216,7 +30306,7 @@
               <a:buChar char="●"/>
             </a:pPr>
             <a:r>
-              <a:rPr lang="en" sz="1600">
+              <a:rPr lang="en" sz="1600" dirty="0">
                 <a:solidFill>
                   <a:srgbClr val="525C65"/>
                 </a:solidFill>
@@ -30230,7 +30320,7 @@
               </a:rPr>
               <a:t>All identifier fields should end in “_id”.</a:t>
             </a:r>
-            <a:endParaRPr sz="1600">
+            <a:endParaRPr sz="1600" dirty="0">
               <a:solidFill>
                 <a:srgbClr val="525C65"/>
               </a:solidFill>
@@ -30262,7 +30352,7 @@
               <a:buChar char="●"/>
             </a:pPr>
             <a:r>
-              <a:rPr lang="en" sz="1600">
+              <a:rPr lang="en" sz="1600" dirty="0">
                 <a:solidFill>
                   <a:srgbClr val="525C65"/>
                 </a:solidFill>
@@ -30276,7 +30366,7 @@
               </a:rPr>
               <a:t>Avoid acronyms and abbreviations.</a:t>
             </a:r>
-            <a:endParaRPr sz="1600">
+            <a:endParaRPr sz="1600" dirty="0">
               <a:solidFill>
                 <a:srgbClr val="525C65"/>
               </a:solidFill>
@@ -30302,7 +30392,7 @@
               </a:spcAft>
               <a:buNone/>
             </a:pPr>
-            <a:endParaRPr sz="1600">
+            <a:endParaRPr sz="1600" dirty="0">
               <a:solidFill>
                 <a:srgbClr val="525C65"/>
               </a:solidFill>
@@ -30334,7 +30424,7 @@
               <a:buAutoNum type="arabicPeriod"/>
             </a:pPr>
             <a:r>
-              <a:rPr lang="en" sz="1600">
+              <a:rPr lang="en" sz="1600" dirty="0">
                 <a:solidFill>
                   <a:srgbClr val="525C65"/>
                 </a:solidFill>
@@ -30348,7 +30438,7 @@
               </a:rPr>
               <a:t>Write SQL scripts for the matching rules that you’ve created in Step 6. </a:t>
             </a:r>
-            <a:endParaRPr sz="1800">
+            <a:endParaRPr sz="1800" dirty="0">
               <a:solidFill>
                 <a:srgbClr val="2E3D49"/>
               </a:solidFill>
